--- a/CalendarioAgo24/Actividades/Actividad15_VLANs/Act15_VLANs_2025.pptx
+++ b/CalendarioAgo24/Actividades/Actividad15_VLANs/Act15_VLANs_2025.pptx
@@ -1242,7 +1242,7 @@
           <a:p>
             <a:fld id="{1D8BD707-D9CF-40AE-B4C6-C98DA3205C09}" type="datetimeFigureOut">
               <a:rPr lang="en-US"/>
-              <a:t>11/22/2024</a:t>
+              <a:t>11/26/2024</a:t>
             </a:fld>
             <a:endParaRPr lang="en-US" dirty="0"/>
           </a:p>
@@ -1419,7 +1419,7 @@
           <a:p>
             <a:fld id="{1D8BD707-D9CF-40AE-B4C6-C98DA3205C09}" type="datetimeFigureOut">
               <a:rPr lang="en-US"/>
-              <a:t>11/22/2024</a:t>
+              <a:t>11/26/2024</a:t>
             </a:fld>
             <a:endParaRPr lang="en-US" dirty="0"/>
           </a:p>
@@ -1633,7 +1633,7 @@
           <a:p>
             <a:fld id="{1D8BD707-D9CF-40AE-B4C6-C98DA3205C09}" type="datetimeFigureOut">
               <a:rPr lang="en-US"/>
-              <a:t>11/22/2024</a:t>
+              <a:t>11/26/2024</a:t>
             </a:fld>
             <a:endParaRPr lang="en-US" dirty="0"/>
           </a:p>
@@ -1781,7 +1781,7 @@
           <a:p>
             <a:fld id="{1D8BD707-D9CF-40AE-B4C6-C98DA3205C09}" type="datetimeFigureOut">
               <a:rPr lang="en-US"/>
-              <a:t>11/22/2024</a:t>
+              <a:t>11/26/2024</a:t>
             </a:fld>
             <a:endParaRPr lang="en-US" dirty="0"/>
           </a:p>
@@ -1937,7 +1937,7 @@
           <a:p>
             <a:fld id="{1D8BD707-D9CF-40AE-B4C6-C98DA3205C09}" type="datetimeFigureOut">
               <a:rPr lang="en-US"/>
-              <a:t>11/22/2024</a:t>
+              <a:t>11/26/2024</a:t>
             </a:fld>
             <a:endParaRPr lang="en-US" dirty="0"/>
           </a:p>
@@ -2022,7 +2022,7 @@
           <a:p>
             <a:fld id="{5E75A0DC-66C6-4CEC-A5EB-F8C97CEC3796}" type="datetimeFigureOut">
               <a:rPr lang="es-MX" smtClean="0"/>
-              <a:t>22/11/2024</a:t>
+              <a:t>26/11/2024</a:t>
             </a:fld>
             <a:endParaRPr lang="es-MX" dirty="0"/>
           </a:p>
@@ -2279,7 +2279,7 @@
           <a:p>
             <a:fld id="{5E75A0DC-66C6-4CEC-A5EB-F8C97CEC3796}" type="datetimeFigureOut">
               <a:rPr lang="es-MX" smtClean="0"/>
-              <a:t>22/11/2024</a:t>
+              <a:t>26/11/2024</a:t>
             </a:fld>
             <a:endParaRPr lang="es-MX" dirty="0"/>
           </a:p>
@@ -2529,7 +2529,7 @@
           <a:p>
             <a:fld id="{1D8BD707-D9CF-40AE-B4C6-C98DA3205C09}" type="datetimeFigureOut">
               <a:rPr lang="en-US"/>
-              <a:t>11/22/2024</a:t>
+              <a:t>11/26/2024</a:t>
             </a:fld>
             <a:endParaRPr lang="en-US" dirty="0"/>
           </a:p>
@@ -5814,13 +5814,10 @@
               </a:rPr>
               <a:t>pisos.com</a:t>
             </a:r>
-            <a:r>
-              <a:rPr lang="es-ES" sz="1400" dirty="0">
-                <a:latin typeface="Arial" panose="020B0604020202020204" pitchFamily="34" charset="0"/>
-                <a:cs typeface="Arial" panose="020B0604020202020204" pitchFamily="34" charset="0"/>
-              </a:rPr>
-              <a:t>. </a:t>
-            </a:r>
+            <a:endParaRPr lang="es-ES" sz="1400" dirty="0">
+              <a:latin typeface="Arial" panose="020B0604020202020204" pitchFamily="34" charset="0"/>
+              <a:cs typeface="Arial" panose="020B0604020202020204" pitchFamily="34" charset="0"/>
+            </a:endParaRPr>
           </a:p>
           <a:p>
             <a:pPr marL="342900" indent="-342900">
@@ -6417,13 +6414,10 @@
               </a:rPr>
               <a:t>pisos.com</a:t>
             </a:r>
-            <a:r>
-              <a:rPr lang="es-ES" sz="1400" dirty="0">
-                <a:latin typeface="Arial" panose="020B0604020202020204" pitchFamily="34" charset="0"/>
-                <a:cs typeface="Arial" panose="020B0604020202020204" pitchFamily="34" charset="0"/>
-              </a:rPr>
-              <a:t>. </a:t>
-            </a:r>
+            <a:endParaRPr lang="es-ES" sz="1400" dirty="0">
+              <a:latin typeface="Arial" panose="020B0604020202020204" pitchFamily="34" charset="0"/>
+              <a:cs typeface="Arial" panose="020B0604020202020204" pitchFamily="34" charset="0"/>
+            </a:endParaRPr>
           </a:p>
           <a:p>
             <a:pPr marL="342900" indent="-342900">
